--- a/meterials/slides/ch06-event-message.pptx
+++ b/meterials/slides/ch06-event-message.pptx
@@ -265,7 +265,7 @@
           <a:p>
             <a:fld id="{2B71C804-97F5-4B36-A7AC-EEEC7F44F6C2}" type="datetimeFigureOut">
               <a:rPr lang="zh-CN" altLang="en-US" smtClean="0"/>
-              <a:t>2017/9/6</a:t>
+              <a:t>2017/9/7</a:t>
             </a:fld>
             <a:endParaRPr lang="zh-CN" altLang="en-US"/>
           </a:p>
@@ -431,7 +431,7 @@
           <a:p>
             <a:fld id="{0568D9C6-D8DC-4CC3-8480-E0C4DBA1CC07}" type="datetimeFigureOut">
               <a:rPr lang="zh-CN" altLang="en-US" smtClean="0"/>
-              <a:t>2017/9/6</a:t>
+              <a:t>2017/9/7</a:t>
             </a:fld>
             <a:endParaRPr lang="zh-CN" altLang="en-US"/>
           </a:p>
@@ -1044,7 +1044,7 @@
           <a:p>
             <a:fld id="{DB9D664F-4C68-42D2-B189-678958EFAFDA}" type="datetime1">
               <a:rPr lang="zh-CN" altLang="en-US" smtClean="0"/>
-              <a:t>2017/9/6</a:t>
+              <a:t>2017/9/7</a:t>
             </a:fld>
             <a:endParaRPr lang="zh-CN" altLang="en-US"/>
           </a:p>
@@ -1228,7 +1228,7 @@
               <a:pPr>
                 <a:defRPr/>
               </a:pPr>
-              <a:t>2017/9/6</a:t>
+              <a:t>2017/9/7</a:t>
             </a:fld>
             <a:endParaRPr lang="zh-CN" altLang="en-US"/>
           </a:p>
@@ -1481,7 +1481,7 @@
           <a:p>
             <a:fld id="{ED5513C8-E3A4-4D78-B249-887659A958FF}" type="datetime1">
               <a:rPr lang="en-US" altLang="zh-CN" smtClean="0"/>
-              <a:t>9/6/2017</a:t>
+              <a:t>9/7/2017</a:t>
             </a:fld>
             <a:endParaRPr lang="en-US"/>
           </a:p>
@@ -1659,7 +1659,7 @@
           <a:p>
             <a:fld id="{EBEDA52C-3EEE-4289-818C-901C0A7814FE}" type="datetime1">
               <a:rPr lang="en-US" altLang="zh-CN" smtClean="0"/>
-              <a:t>9/6/2017</a:t>
+              <a:t>9/7/2017</a:t>
             </a:fld>
             <a:endParaRPr lang="en-US"/>
           </a:p>
@@ -1913,7 +1913,7 @@
           <a:p>
             <a:fld id="{09EF5D7F-EA15-485C-85DD-8FDC010A62D4}" type="datetime1">
               <a:rPr lang="en-US" altLang="zh-CN" smtClean="0"/>
-              <a:t>9/6/2017</a:t>
+              <a:t>9/7/2017</a:t>
             </a:fld>
             <a:endParaRPr lang="en-US"/>
           </a:p>
@@ -2153,7 +2153,7 @@
           <a:p>
             <a:fld id="{9541C2B2-0BAB-4CD4-83EE-25F1A7138896}" type="datetime1">
               <a:rPr lang="en-US" altLang="zh-CN" smtClean="0"/>
-              <a:t>9/6/2017</a:t>
+              <a:t>9/7/2017</a:t>
             </a:fld>
             <a:endParaRPr lang="en-US"/>
           </a:p>
@@ -2528,7 +2528,7 @@
           <a:p>
             <a:fld id="{7DEA23E7-D0FC-41DC-8745-BE6FC447B182}" type="datetime1">
               <a:rPr lang="en-US" altLang="zh-CN" smtClean="0"/>
-              <a:t>9/6/2017</a:t>
+              <a:t>9/7/2017</a:t>
             </a:fld>
             <a:endParaRPr lang="en-US"/>
           </a:p>
@@ -3313,7 +3313,7 @@
           <a:p>
             <a:fld id="{5DEA8378-5F33-490B-8120-8DE6B7EE2781}" type="datetime1">
               <a:rPr lang="en-US" altLang="zh-CN" smtClean="0"/>
-              <a:t>9/6/2017</a:t>
+              <a:t>9/7/2017</a:t>
             </a:fld>
             <a:endParaRPr lang="en-US"/>
           </a:p>
@@ -3567,7 +3567,7 @@
           <a:p>
             <a:fld id="{38DD30CF-78A7-4C73-91B4-38D3E3317745}" type="datetime1">
               <a:rPr lang="en-US" altLang="zh-CN" smtClean="0"/>
-              <a:t>9/6/2017</a:t>
+              <a:t>9/7/2017</a:t>
             </a:fld>
             <a:endParaRPr lang="en-US"/>
           </a:p>
@@ -3670,7 +3670,7 @@
           <a:p>
             <a:fld id="{A1BE0A72-8501-4974-A7B7-5BD248ABBAFC}" type="datetime1">
               <a:rPr lang="zh-CN" altLang="en-US" smtClean="0"/>
-              <a:t>2017/9/6</a:t>
+              <a:t>2017/9/7</a:t>
             </a:fld>
             <a:endParaRPr lang="zh-CN" altLang="en-US"/>
           </a:p>
@@ -3931,7 +3931,7 @@
           <a:p>
             <a:fld id="{0B7E01DD-16D0-4DBA-9C1A-51468BA0B73A}" type="datetime1">
               <a:rPr lang="en-US" altLang="zh-CN" smtClean="0"/>
-              <a:t>9/6/2017</a:t>
+              <a:t>9/7/2017</a:t>
             </a:fld>
             <a:endParaRPr lang="en-US"/>
           </a:p>
@@ -4109,7 +4109,7 @@
           <a:p>
             <a:fld id="{B587E63F-0E62-4A50-901F-E071D77F7634}" type="datetime1">
               <a:rPr lang="en-US" altLang="zh-CN" smtClean="0"/>
-              <a:t>9/6/2017</a:t>
+              <a:t>9/7/2017</a:t>
             </a:fld>
             <a:endParaRPr lang="en-US"/>
           </a:p>
@@ -4297,7 +4297,7 @@
           <a:p>
             <a:fld id="{BD8521E8-9297-400B-AD8C-0A4D05699D33}" type="datetime1">
               <a:rPr lang="en-US" altLang="zh-CN" smtClean="0"/>
-              <a:t>9/6/2017</a:t>
+              <a:t>9/7/2017</a:t>
             </a:fld>
             <a:endParaRPr lang="en-US"/>
           </a:p>
@@ -4528,7 +4528,7 @@
           <a:p>
             <a:fld id="{ED5513C8-E3A4-4D78-B249-887659A958FF}" type="datetime1">
               <a:rPr lang="en-US" altLang="zh-CN" smtClean="0"/>
-              <a:t>9/6/2017</a:t>
+              <a:t>9/7/2017</a:t>
             </a:fld>
             <a:endParaRPr lang="en-US"/>
           </a:p>
@@ -4706,7 +4706,7 @@
           <a:p>
             <a:fld id="{EBEDA52C-3EEE-4289-818C-901C0A7814FE}" type="datetime1">
               <a:rPr lang="en-US" altLang="zh-CN" smtClean="0"/>
-              <a:t>9/6/2017</a:t>
+              <a:t>9/7/2017</a:t>
             </a:fld>
             <a:endParaRPr lang="en-US"/>
           </a:p>
@@ -4960,7 +4960,7 @@
           <a:p>
             <a:fld id="{09EF5D7F-EA15-485C-85DD-8FDC010A62D4}" type="datetime1">
               <a:rPr lang="en-US" altLang="zh-CN" smtClean="0"/>
-              <a:t>9/6/2017</a:t>
+              <a:t>9/7/2017</a:t>
             </a:fld>
             <a:endParaRPr lang="en-US"/>
           </a:p>
@@ -5200,7 +5200,7 @@
           <a:p>
             <a:fld id="{9541C2B2-0BAB-4CD4-83EE-25F1A7138896}" type="datetime1">
               <a:rPr lang="en-US" altLang="zh-CN" smtClean="0"/>
-              <a:t>9/6/2017</a:t>
+              <a:t>9/7/2017</a:t>
             </a:fld>
             <a:endParaRPr lang="en-US"/>
           </a:p>
@@ -5575,7 +5575,7 @@
           <a:p>
             <a:fld id="{7DEA23E7-D0FC-41DC-8745-BE6FC447B182}" type="datetime1">
               <a:rPr lang="en-US" altLang="zh-CN" smtClean="0"/>
-              <a:t>9/6/2017</a:t>
+              <a:t>9/7/2017</a:t>
             </a:fld>
             <a:endParaRPr lang="en-US"/>
           </a:p>
@@ -6360,7 +6360,7 @@
           <a:p>
             <a:fld id="{A1BE0A72-8501-4974-A7B7-5BD248ABBAFC}" type="datetime1">
               <a:rPr lang="zh-CN" altLang="en-US" smtClean="0"/>
-              <a:t>2017/9/6</a:t>
+              <a:t>2017/9/7</a:t>
             </a:fld>
             <a:endParaRPr lang="zh-CN" altLang="en-US"/>
           </a:p>
@@ -6413,7 +6413,7 @@
           <a:p>
             <a:fld id="{5DEA8378-5F33-490B-8120-8DE6B7EE2781}" type="datetime1">
               <a:rPr lang="en-US" altLang="zh-CN" smtClean="0"/>
-              <a:t>9/6/2017</a:t>
+              <a:t>9/7/2017</a:t>
             </a:fld>
             <a:endParaRPr lang="en-US"/>
           </a:p>
@@ -6667,7 +6667,7 @@
           <a:p>
             <a:fld id="{38DD30CF-78A7-4C73-91B4-38D3E3317745}" type="datetime1">
               <a:rPr lang="en-US" altLang="zh-CN" smtClean="0"/>
-              <a:t>9/6/2017</a:t>
+              <a:t>9/7/2017</a:t>
             </a:fld>
             <a:endParaRPr lang="en-US"/>
           </a:p>
@@ -6932,7 +6932,7 @@
           <a:p>
             <a:fld id="{0B7E01DD-16D0-4DBA-9C1A-51468BA0B73A}" type="datetime1">
               <a:rPr lang="en-US" altLang="zh-CN" smtClean="0"/>
-              <a:t>9/6/2017</a:t>
+              <a:t>9/7/2017</a:t>
             </a:fld>
             <a:endParaRPr lang="en-US"/>
           </a:p>
@@ -7110,7 +7110,7 @@
           <a:p>
             <a:fld id="{B587E63F-0E62-4A50-901F-E071D77F7634}" type="datetime1">
               <a:rPr lang="en-US" altLang="zh-CN" smtClean="0"/>
-              <a:t>9/6/2017</a:t>
+              <a:t>9/7/2017</a:t>
             </a:fld>
             <a:endParaRPr lang="en-US"/>
           </a:p>
@@ -7298,7 +7298,7 @@
           <a:p>
             <a:fld id="{BD8521E8-9297-400B-AD8C-0A4D05699D33}" type="datetime1">
               <a:rPr lang="en-US" altLang="zh-CN" smtClean="0"/>
-              <a:t>9/6/2017</a:t>
+              <a:t>9/7/2017</a:t>
             </a:fld>
             <a:endParaRPr lang="en-US"/>
           </a:p>
@@ -7401,7 +7401,7 @@
           <a:p>
             <a:fld id="{EF452D9C-F9EB-4417-9C3A-C876C2AF9415}" type="datetime1">
               <a:rPr lang="zh-CN" altLang="en-US" smtClean="0"/>
-              <a:t>2017/9/6</a:t>
+              <a:t>2017/9/7</a:t>
             </a:fld>
             <a:endParaRPr lang="zh-CN" altLang="en-US"/>
           </a:p>
@@ -7587,7 +7587,7 @@
           <a:p>
             <a:fld id="{2F2E9289-9B4C-49AE-BDDA-70D6EDC89D17}" type="datetime1">
               <a:rPr lang="zh-CN" altLang="en-US" smtClean="0"/>
-              <a:t>2017/9/6</a:t>
+              <a:t>2017/9/7</a:t>
             </a:fld>
             <a:endParaRPr lang="zh-CN" altLang="en-US"/>
           </a:p>
@@ -7757,7 +7757,7 @@
           <a:p>
             <a:fld id="{2F2E9289-9B4C-49AE-BDDA-70D6EDC89D17}" type="datetime1">
               <a:rPr lang="zh-CN" altLang="en-US" smtClean="0"/>
-              <a:t>2017/9/6</a:t>
+              <a:t>2017/9/7</a:t>
             </a:fld>
             <a:endParaRPr lang="zh-CN" altLang="en-US"/>
           </a:p>
@@ -7993,7 +7993,7 @@
           <a:p>
             <a:fld id="{8C5BA751-A251-47D6-8494-C134D9EBED5F}" type="datetime1">
               <a:rPr lang="zh-CN" altLang="en-US" smtClean="0"/>
-              <a:t>2017/9/6</a:t>
+              <a:t>2017/9/7</a:t>
             </a:fld>
             <a:endParaRPr lang="zh-CN" altLang="en-US"/>
           </a:p>
@@ -8349,7 +8349,7 @@
           <a:p>
             <a:fld id="{C46E2078-F302-4651-A2A2-2FC6C4E1A3F1}" type="datetime1">
               <a:rPr lang="zh-CN" altLang="en-US" smtClean="0"/>
-              <a:t>2017/9/6</a:t>
+              <a:t>2017/9/7</a:t>
             </a:fld>
             <a:endParaRPr lang="zh-CN" altLang="en-US"/>
           </a:p>
@@ -9164,7 +9164,7 @@
           <a:p>
             <a:fld id="{A1BE0A72-8501-4974-A7B7-5BD248ABBAFC}" type="datetime1">
               <a:rPr lang="zh-CN" altLang="en-US" smtClean="0"/>
-              <a:t>2017/9/6</a:t>
+              <a:t>2017/9/7</a:t>
             </a:fld>
             <a:endParaRPr lang="zh-CN" altLang="en-US"/>
           </a:p>
@@ -9678,7 +9678,7 @@
           <a:p>
             <a:fld id="{A1BE0A72-8501-4974-A7B7-5BD248ABBAFC}" type="datetime1">
               <a:rPr lang="zh-CN" altLang="en-US" smtClean="0"/>
-              <a:t>2017/9/6</a:t>
+              <a:t>2017/9/7</a:t>
             </a:fld>
             <a:endParaRPr lang="zh-CN" altLang="en-US"/>
           </a:p>
@@ -10284,7 +10284,7 @@
           <a:p>
             <a:fld id="{7A78726F-0AD2-4A20-BC72-263D2D3F3A2F}" type="datetime1">
               <a:rPr lang="en-US" altLang="zh-CN" smtClean="0"/>
-              <a:t>9/6/2017</a:t>
+              <a:t>9/7/2017</a:t>
             </a:fld>
             <a:endParaRPr lang="en-US"/>
           </a:p>
@@ -11265,7 +11265,7 @@
           <a:p>
             <a:fld id="{A1BE0A72-8501-4974-A7B7-5BD248ABBAFC}" type="datetime1">
               <a:rPr lang="zh-CN" altLang="en-US" smtClean="0"/>
-              <a:t>2017/9/6</a:t>
+              <a:t>2017/9/7</a:t>
             </a:fld>
             <a:endParaRPr lang="zh-CN" altLang="en-US"/>
           </a:p>
@@ -11871,7 +11871,7 @@
           <a:p>
             <a:fld id="{7A78726F-0AD2-4A20-BC72-263D2D3F3A2F}" type="datetime1">
               <a:rPr lang="en-US" altLang="zh-CN" smtClean="0"/>
-              <a:t>9/6/2017</a:t>
+              <a:t>9/7/2017</a:t>
             </a:fld>
             <a:endParaRPr lang="en-US"/>
           </a:p>
@@ -12856,7 +12856,7 @@
         <p:spPr>
           <a:xfrm>
             <a:off x="4058444" y="2343152"/>
-            <a:ext cx="5385594" cy="1969257"/>
+            <a:ext cx="5385594" cy="2062103"/>
           </a:xfrm>
           <a:prstGeom prst="rect">
             <a:avLst/>
@@ -12973,7 +12973,7 @@
                 <a:latin typeface="微软雅黑" panose="020B0503020204020204" pitchFamily="34" charset="-122"/>
                 <a:ea typeface="微软雅黑" panose="020B0503020204020204" pitchFamily="34" charset="-122"/>
               </a:rPr>
-              <a:t>扫描二维码与地理位置事件</a:t>
+              <a:t>集成到普通消息处理</a:t>
             </a:r>
             <a:endParaRPr lang="en-US" altLang="zh-CN" sz="2000" dirty="0">
               <a:solidFill>
@@ -13476,7 +13476,7 @@
                 <a:latin typeface="微软雅黑" panose="020B0503020204020204" pitchFamily="34" charset="-122"/>
                 <a:ea typeface="微软雅黑" panose="020B0503020204020204" pitchFamily="34" charset="-122"/>
               </a:rPr>
-              <a:t>扫描二维码与地理位置事件</a:t>
+              <a:t>集成到普通消息处理</a:t>
             </a:r>
             <a:endParaRPr lang="en-US" altLang="zh-CN" sz="2400" dirty="0">
               <a:solidFill>
@@ -13536,12 +13536,8 @@
           <a:lstStyle/>
           <a:p>
             <a:r>
-              <a:rPr lang="en-US" altLang="zh-CN" dirty="0"/>
-              <a:t>IP</a:t>
-            </a:r>
-            <a:r>
-              <a:rPr lang="zh-CN" altLang="en-US" dirty="0"/>
-              <a:t>白名单</a:t>
+              <a:rPr lang="zh-CN" altLang="en-US" b="0" dirty="0"/>
+              <a:t>完整的消息处理</a:t>
             </a:r>
           </a:p>
         </p:txBody>
@@ -13555,7 +13551,7 @@
         <p:spPr>
           <a:xfrm>
             <a:off x="1054100" y="1857375"/>
-            <a:ext cx="9861550" cy="1938992"/>
+            <a:ext cx="9861550" cy="2400657"/>
           </a:xfrm>
           <a:prstGeom prst="rect">
             <a:avLst/>
@@ -13580,21 +13576,7 @@
                 <a:latin typeface="微软雅黑" panose="020B0503020204020204" pitchFamily="34" charset="-122"/>
                 <a:ea typeface="微软雅黑" panose="020B0503020204020204" pitchFamily="34" charset="-122"/>
               </a:rPr>
-              <a:t>调用接口以前需要先把开发者服务器的</a:t>
-            </a:r>
-            <a:r>
-              <a:rPr lang="en-US" altLang="zh-CN" sz="2000" dirty="0">
-                <a:latin typeface="微软雅黑" panose="020B0503020204020204" pitchFamily="34" charset="-122"/>
-                <a:ea typeface="微软雅黑" panose="020B0503020204020204" pitchFamily="34" charset="-122"/>
-              </a:rPr>
-              <a:t>IP</a:t>
-            </a:r>
-            <a:r>
-              <a:rPr lang="zh-CN" altLang="en-US" sz="2000" dirty="0">
-                <a:latin typeface="微软雅黑" panose="020B0503020204020204" pitchFamily="34" charset="-122"/>
-                <a:ea typeface="微软雅黑" panose="020B0503020204020204" pitchFamily="34" charset="-122"/>
-              </a:rPr>
-              <a:t>地址加入白名单列表</a:t>
+              <a:t>修改微信消息处理代码组织方式</a:t>
             </a:r>
             <a:endParaRPr lang="en-US" altLang="zh-CN" sz="2000" dirty="0">
               <a:latin typeface="微软雅黑" panose="020B0503020204020204" pitchFamily="34" charset="-122"/>
@@ -13614,21 +13596,7 @@
                 <a:latin typeface="微软雅黑" panose="020B0503020204020204" pitchFamily="34" charset="-122"/>
                 <a:ea typeface="微软雅黑" panose="020B0503020204020204" pitchFamily="34" charset="-122"/>
               </a:rPr>
-              <a:t>如果在本地测试，则把本地所在公网</a:t>
-            </a:r>
-            <a:r>
-              <a:rPr lang="en-US" altLang="zh-CN" sz="2000" dirty="0">
-                <a:latin typeface="微软雅黑" panose="020B0503020204020204" pitchFamily="34" charset="-122"/>
-                <a:ea typeface="微软雅黑" panose="020B0503020204020204" pitchFamily="34" charset="-122"/>
-              </a:rPr>
-              <a:t>IP</a:t>
-            </a:r>
-            <a:r>
-              <a:rPr lang="zh-CN" altLang="en-US" sz="2000" dirty="0">
-                <a:latin typeface="微软雅黑" panose="020B0503020204020204" pitchFamily="34" charset="-122"/>
-                <a:ea typeface="微软雅黑" panose="020B0503020204020204" pitchFamily="34" charset="-122"/>
-              </a:rPr>
-              <a:t>也加入到白名单</a:t>
+              <a:t>微信服务器发消息到开发者服务器，开发者服务器使用一个预处理方法进行消息类型的识别，根据类型分发给不同的处理方法。</a:t>
             </a:r>
             <a:endParaRPr lang="en-US" altLang="zh-CN" sz="2000" dirty="0">
               <a:latin typeface="微软雅黑" panose="020B0503020204020204" pitchFamily="34" charset="-122"/>
@@ -13648,7 +13616,7 @@
                 <a:latin typeface="微软雅黑" panose="020B0503020204020204" pitchFamily="34" charset="-122"/>
                 <a:ea typeface="微软雅黑" panose="020B0503020204020204" pitchFamily="34" charset="-122"/>
               </a:rPr>
-              <a:t>不加入白名单，调用接口会失败</a:t>
+              <a:t>类型处理分为文本处理，图像处理，事件处理等方法。</a:t>
             </a:r>
             <a:endParaRPr lang="en-US" altLang="zh-CN" sz="2000" dirty="0">
               <a:latin typeface="微软雅黑" panose="020B0503020204020204" pitchFamily="34" charset="-122"/>
@@ -13668,7 +13636,7 @@
                 <a:latin typeface="微软雅黑" panose="020B0503020204020204" pitchFamily="34" charset="-122"/>
                 <a:ea typeface="微软雅黑" panose="020B0503020204020204" pitchFamily="34" charset="-122"/>
               </a:rPr>
-              <a:t>白名单机制是为了安全性考虑</a:t>
+              <a:t>每个类型的处理方法可以进行更复杂的处理提供更加智能与便捷的服务。</a:t>
             </a:r>
             <a:endParaRPr lang="en-US" altLang="zh-CN" sz="2000" dirty="0">
               <a:latin typeface="微软雅黑" panose="020B0503020204020204" pitchFamily="34" charset="-122"/>
@@ -14439,7 +14407,7 @@
         <p:spPr>
           <a:xfrm>
             <a:off x="4058444" y="2343152"/>
-            <a:ext cx="5385594" cy="2196883"/>
+            <a:ext cx="5385594" cy="2308324"/>
           </a:xfrm>
           <a:prstGeom prst="rect">
             <a:avLst/>
@@ -14560,7 +14528,7 @@
                 <a:latin typeface="微软雅黑" panose="020B0503020204020204" pitchFamily="34" charset="-122"/>
                 <a:ea typeface="微软雅黑" panose="020B0503020204020204" pitchFamily="34" charset="-122"/>
               </a:rPr>
-              <a:t>扫描二维码与地理位置事件</a:t>
+              <a:t>集成到普通消息处理</a:t>
             </a:r>
             <a:endParaRPr lang="en-US" altLang="zh-CN" sz="2400" dirty="0">
               <a:solidFill>
@@ -14627,6 +14595,75 @@
           </a:p>
         </p:txBody>
       </p:sp>
+      <p:sp>
+        <p:nvSpPr>
+          <p:cNvPr id="3" name="文本框 2">
+            <a:extLst>
+              <a:ext uri="{FF2B5EF4-FFF2-40B4-BE49-F238E27FC236}">
+                <a16:creationId xmlns:a16="http://schemas.microsoft.com/office/drawing/2014/main" id="{FD5AFAFB-4AAE-432E-A82F-2EEE1AAAD3AC}"/>
+              </a:ext>
+            </a:extLst>
+          </p:cNvPr>
+          <p:cNvSpPr txBox="1"/>
+          <p:nvPr/>
+        </p:nvSpPr>
+        <p:spPr>
+          <a:xfrm>
+            <a:off x="1288026" y="1779639"/>
+            <a:ext cx="8386916" cy="961289"/>
+          </a:xfrm>
+          <a:prstGeom prst="rect">
+            <a:avLst/>
+          </a:prstGeom>
+          <a:noFill/>
+        </p:spPr>
+        <p:txBody>
+          <a:bodyPr wrap="square" rtlCol="0">
+            <a:spAutoFit/>
+          </a:bodyPr>
+          <a:lstStyle/>
+          <a:p>
+            <a:pPr marL="285750" indent="-285750">
+              <a:lnSpc>
+                <a:spcPct val="150000"/>
+              </a:lnSpc>
+              <a:buFont typeface="Arial" panose="020B0604020202020204" pitchFamily="34" charset="0"/>
+              <a:buChar char="•"/>
+            </a:pPr>
+            <a:r>
+              <a:rPr lang="zh-CN" altLang="en-US" sz="2000" dirty="0">
+                <a:latin typeface="微软雅黑" panose="020B0503020204020204" pitchFamily="34" charset="-122"/>
+                <a:ea typeface="微软雅黑" panose="020B0503020204020204" pitchFamily="34" charset="-122"/>
+              </a:rPr>
+              <a:t>微信事件消息的类型</a:t>
+            </a:r>
+            <a:endParaRPr lang="en-US" altLang="zh-CN" sz="2000" dirty="0">
+              <a:latin typeface="微软雅黑" panose="020B0503020204020204" pitchFamily="34" charset="-122"/>
+              <a:ea typeface="微软雅黑" panose="020B0503020204020204" pitchFamily="34" charset="-122"/>
+            </a:endParaRPr>
+          </a:p>
+          <a:p>
+            <a:pPr marL="285750" indent="-285750">
+              <a:lnSpc>
+                <a:spcPct val="150000"/>
+              </a:lnSpc>
+              <a:buFont typeface="Arial" panose="020B0604020202020204" pitchFamily="34" charset="0"/>
+              <a:buChar char="•"/>
+            </a:pPr>
+            <a:r>
+              <a:rPr lang="zh-CN" altLang="en-US" sz="2000" dirty="0">
+                <a:latin typeface="微软雅黑" panose="020B0503020204020204" pitchFamily="34" charset="-122"/>
+                <a:ea typeface="微软雅黑" panose="020B0503020204020204" pitchFamily="34" charset="-122"/>
+              </a:rPr>
+              <a:t>如何处理微信事件消息</a:t>
+            </a:r>
+            <a:endParaRPr lang="en-US" altLang="zh-CN" sz="2000" dirty="0">
+              <a:latin typeface="微软雅黑" panose="020B0503020204020204" pitchFamily="34" charset="-122"/>
+              <a:ea typeface="微软雅黑" panose="020B0503020204020204" pitchFamily="34" charset="-122"/>
+            </a:endParaRPr>
+          </a:p>
+        </p:txBody>
+      </p:sp>
     </p:spTree>
     <p:extLst>
       <p:ext uri="{BB962C8B-B14F-4D97-AF65-F5344CB8AC3E}">
@@ -14693,7 +14730,7 @@
         <p:spPr>
           <a:xfrm>
             <a:off x="4058444" y="2343152"/>
-            <a:ext cx="5385594" cy="1969257"/>
+            <a:ext cx="5385594" cy="2062103"/>
           </a:xfrm>
           <a:prstGeom prst="rect">
             <a:avLst/>
@@ -14812,7 +14849,7 @@
                 <a:latin typeface="微软雅黑" panose="020B0503020204020204" pitchFamily="34" charset="-122"/>
                 <a:ea typeface="微软雅黑" panose="020B0503020204020204" pitchFamily="34" charset="-122"/>
               </a:rPr>
-              <a:t>扫描二维码与地理位置事件</a:t>
+              <a:t>集成到普通消息处理</a:t>
             </a:r>
             <a:endParaRPr lang="en-US" altLang="zh-CN" sz="2000" dirty="0">
               <a:solidFill>
